--- a/content/bju/cps105/lectures/ppt-downloads/lec6.pptx
+++ b/content/bju/cps105/lectures/ppt-downloads/lec6.pptx
@@ -126,6 +126,11 @@
       </a:defRPr>
     </a:lvl9pPr>
   </p:defaultTextStyle>
+  <p:extLst>
+    <p:ext uri="{EFAFB233-063F-42B5-8137-9DF3F51BA10A}">
+      <p15:sldGuideLst xmlns:p15="http://schemas.microsoft.com/office/powerpoint/2012/main"/>
+    </p:ext>
+  </p:extLst>
 </p:presentation>
 </file>
 
@@ -260,7 +265,7 @@
           <a:p>
             <a:fld id="{AC79F8E5-2087-42A7-B64F-E98FEAD4C711}" type="datetimeFigureOut">
               <a:rPr lang="en-US" smtClean="0"/>
-              <a:t>9/11/2018</a:t>
+              <a:t>9/13/2018</a:t>
             </a:fld>
             <a:endParaRPr lang="en-US"/>
           </a:p>
@@ -430,7 +435,7 @@
           <a:p>
             <a:fld id="{AC79F8E5-2087-42A7-B64F-E98FEAD4C711}" type="datetimeFigureOut">
               <a:rPr lang="en-US" smtClean="0"/>
-              <a:t>9/11/2018</a:t>
+              <a:t>9/13/2018</a:t>
             </a:fld>
             <a:endParaRPr lang="en-US"/>
           </a:p>
@@ -610,7 +615,7 @@
           <a:p>
             <a:fld id="{AC79F8E5-2087-42A7-B64F-E98FEAD4C711}" type="datetimeFigureOut">
               <a:rPr lang="en-US" smtClean="0"/>
-              <a:t>9/11/2018</a:t>
+              <a:t>9/13/2018</a:t>
             </a:fld>
             <a:endParaRPr lang="en-US"/>
           </a:p>
@@ -780,7 +785,7 @@
           <a:p>
             <a:fld id="{AC79F8E5-2087-42A7-B64F-E98FEAD4C711}" type="datetimeFigureOut">
               <a:rPr lang="en-US" smtClean="0"/>
-              <a:t>9/11/2018</a:t>
+              <a:t>9/13/2018</a:t>
             </a:fld>
             <a:endParaRPr lang="en-US"/>
           </a:p>
@@ -1026,7 +1031,7 @@
           <a:p>
             <a:fld id="{AC79F8E5-2087-42A7-B64F-E98FEAD4C711}" type="datetimeFigureOut">
               <a:rPr lang="en-US" smtClean="0"/>
-              <a:t>9/11/2018</a:t>
+              <a:t>9/13/2018</a:t>
             </a:fld>
             <a:endParaRPr lang="en-US"/>
           </a:p>
@@ -1258,7 +1263,7 @@
           <a:p>
             <a:fld id="{AC79F8E5-2087-42A7-B64F-E98FEAD4C711}" type="datetimeFigureOut">
               <a:rPr lang="en-US" smtClean="0"/>
-              <a:t>9/11/2018</a:t>
+              <a:t>9/13/2018</a:t>
             </a:fld>
             <a:endParaRPr lang="en-US"/>
           </a:p>
@@ -1625,7 +1630,7 @@
           <a:p>
             <a:fld id="{AC79F8E5-2087-42A7-B64F-E98FEAD4C711}" type="datetimeFigureOut">
               <a:rPr lang="en-US" smtClean="0"/>
-              <a:t>9/11/2018</a:t>
+              <a:t>9/13/2018</a:t>
             </a:fld>
             <a:endParaRPr lang="en-US"/>
           </a:p>
@@ -1743,7 +1748,7 @@
           <a:p>
             <a:fld id="{AC79F8E5-2087-42A7-B64F-E98FEAD4C711}" type="datetimeFigureOut">
               <a:rPr lang="en-US" smtClean="0"/>
-              <a:t>9/11/2018</a:t>
+              <a:t>9/13/2018</a:t>
             </a:fld>
             <a:endParaRPr lang="en-US"/>
           </a:p>
@@ -1838,7 +1843,7 @@
           <a:p>
             <a:fld id="{AC79F8E5-2087-42A7-B64F-E98FEAD4C711}" type="datetimeFigureOut">
               <a:rPr lang="en-US" smtClean="0"/>
-              <a:t>9/11/2018</a:t>
+              <a:t>9/13/2018</a:t>
             </a:fld>
             <a:endParaRPr lang="en-US"/>
           </a:p>
@@ -2115,7 +2120,7 @@
           <a:p>
             <a:fld id="{AC79F8E5-2087-42A7-B64F-E98FEAD4C711}" type="datetimeFigureOut">
               <a:rPr lang="en-US" smtClean="0"/>
-              <a:t>9/11/2018</a:t>
+              <a:t>9/13/2018</a:t>
             </a:fld>
             <a:endParaRPr lang="en-US"/>
           </a:p>
@@ -2368,7 +2373,7 @@
           <a:p>
             <a:fld id="{AC79F8E5-2087-42A7-B64F-E98FEAD4C711}" type="datetimeFigureOut">
               <a:rPr lang="en-US" smtClean="0"/>
-              <a:t>9/11/2018</a:t>
+              <a:t>9/13/2018</a:t>
             </a:fld>
             <a:endParaRPr lang="en-US"/>
           </a:p>
@@ -2581,7 +2586,7 @@
           <a:p>
             <a:fld id="{AC79F8E5-2087-42A7-B64F-E98FEAD4C711}" type="datetimeFigureOut">
               <a:rPr lang="en-US" smtClean="0"/>
-              <a:t>9/11/2018</a:t>
+              <a:t>9/13/2018</a:t>
             </a:fld>
             <a:endParaRPr lang="en-US"/>
           </a:p>
@@ -3466,7 +3471,19 @@
           <a:p>
             <a:r>
               <a:rPr lang="en-US" dirty="0" smtClean="0"/>
-              <a:t>URL (Universal Resource Location) – the address of a world wide web resource</a:t>
+              <a:t>URL (Universal </a:t>
+            </a:r>
+            <a:r>
+              <a:rPr lang="en-US" smtClean="0"/>
+              <a:t>Resource </a:t>
+            </a:r>
+            <a:r>
+              <a:rPr lang="en-US" smtClean="0"/>
+              <a:t>Locator) </a:t>
+            </a:r>
+            <a:r>
+              <a:rPr lang="en-US" dirty="0" smtClean="0"/>
+              <a:t>– the address of a world wide web resource</a:t>
             </a:r>
           </a:p>
           <a:p>
